--- a/steemfest2_hackathon.pptx
+++ b/steemfest2_hackathon.pptx
@@ -28,6 +28,7 @@
     <p:sldId id="273" r:id="rId25"/>
     <p:sldId id="274" r:id="rId26"/>
     <p:sldId id="275" r:id="rId27"/>
+    <p:sldId id="276" r:id="rId28"/>
   </p:sldIdLst>
   <p:sldSz cx="13004800" cy="9753600"/>
   <p:notesSz cx="6858000" cy="9144000"/>
@@ -580,6 +581,76 @@
 </p:notes>
 </file>
 
+<file path=ppt/notesSlides/notesSlide10.xml><?xml version="1.0" encoding="utf-8"?>
+<p:notes xmlns:a="http://schemas.openxmlformats.org/drawingml/2006/main" xmlns:r="http://schemas.openxmlformats.org/officeDocument/2006/relationships" xmlns:p="http://schemas.openxmlformats.org/presentationml/2006/main" showMasterSp="1" showMasterPhAnim="1">
+  <p:cSld>
+    <p:spTree>
+      <p:nvGrpSpPr>
+        <p:cNvPr id="1" name=""/>
+        <p:cNvGrpSpPr/>
+        <p:nvPr/>
+      </p:nvGrpSpPr>
+      <p:grpSpPr>
+        <a:xfrm>
+          <a:off x="0" y="0"/>
+          <a:ext cx="0" cy="0"/>
+          <a:chOff x="0" y="0"/>
+          <a:chExt cx="0" cy="0"/>
+        </a:xfrm>
+      </p:grpSpPr>
+      <p:sp>
+        <p:nvSpPr>
+          <p:cNvPr id="217" name="Shape 217"/>
+          <p:cNvSpPr/>
+          <p:nvPr>
+            <p:ph type="sldImg"/>
+          </p:nvPr>
+        </p:nvSpPr>
+        <p:spPr>
+          <a:prstGeom prst="rect">
+            <a:avLst/>
+          </a:prstGeom>
+        </p:spPr>
+        <p:txBody>
+          <a:bodyPr/>
+          <a:lstStyle/>
+          <a:p>
+            <a:pPr/>
+          </a:p>
+        </p:txBody>
+      </p:sp>
+      <p:sp>
+        <p:nvSpPr>
+          <p:cNvPr id="218" name="Shape 218"/>
+          <p:cNvSpPr/>
+          <p:nvPr>
+            <p:ph type="body" sz="quarter" idx="1"/>
+          </p:nvPr>
+        </p:nvSpPr>
+        <p:spPr>
+          <a:prstGeom prst="rect">
+            <a:avLst/>
+          </a:prstGeom>
+        </p:spPr>
+        <p:txBody>
+          <a:bodyPr/>
+          <a:lstStyle/>
+          <a:p>
+            <a:pPr/>
+            <a:r>
+              <a:t>Fundamental tenet of bts: freedom liberty and property for all</a:t>
+            </a:r>
+          </a:p>
+        </p:txBody>
+      </p:sp>
+    </p:spTree>
+  </p:cSld>
+  <p:clrMapOvr>
+    <a:masterClrMapping/>
+  </p:clrMapOvr>
+</p:notes>
+</file>
+
 <file path=ppt/notesSlides/notesSlide2.xml><?xml version="1.0" encoding="utf-8"?>
 <p:notes xmlns:a="http://schemas.openxmlformats.org/drawingml/2006/main" xmlns:r="http://schemas.openxmlformats.org/officeDocument/2006/relationships" xmlns:p="http://schemas.openxmlformats.org/presentationml/2006/main" showMasterSp="1" showMasterPhAnim="1">
   <p:cSld>
@@ -634,6 +705,12 @@
         <p:txBody>
           <a:bodyPr/>
           <a:lstStyle/>
+          <a:p>
+            <a:pPr/>
+            <a:r>
+              <a:t> (!!TODO: add link to bitshares paper)</a:t>
+            </a:r>
+          </a:p>
           <a:p>
             <a:pPr/>
             <a:r>
@@ -1000,7 +1077,7 @@
       </p:grpSpPr>
       <p:sp>
         <p:nvSpPr>
-          <p:cNvPr id="189" name="Shape 189"/>
+          <p:cNvPr id="180" name="Shape 180"/>
           <p:cNvSpPr/>
           <p:nvPr>
             <p:ph type="sldImg"/>
@@ -1021,7 +1098,7 @@
       </p:sp>
       <p:sp>
         <p:nvSpPr>
-          <p:cNvPr id="190" name="Shape 190"/>
+          <p:cNvPr id="181" name="Shape 181"/>
           <p:cNvSpPr/>
           <p:nvPr>
             <p:ph type="body" sz="quarter" idx="1"/>
@@ -1038,13 +1115,7 @@
           <a:p>
             <a:pPr/>
             <a:r>
-              <a:rPr u="sng">
-                <a:hlinkClick r:id="rId3" invalidUrl="" action="" tgtFrame="" tooltip="" history="1" highlightClick="0" endSnd="0"/>
-              </a:rPr>
-              <a:t>stats.bitshares.eu</a:t>
-            </a:r>
-            <a:r>
-              <a:t> used for measuring peak load during stress test where it was demonstrated in real conditions that bts can go up to 3000 tx/sec</a:t>
+              <a:t>Maybe some others too, check projects if needed</a:t>
             </a:r>
           </a:p>
         </p:txBody>
@@ -1076,7 +1147,7 @@
       </p:grpSpPr>
       <p:sp>
         <p:nvSpPr>
-          <p:cNvPr id="196" name="Shape 196"/>
+          <p:cNvPr id="191" name="Shape 191"/>
           <p:cNvSpPr/>
           <p:nvPr>
             <p:ph type="sldImg"/>
@@ -1097,7 +1168,7 @@
       </p:sp>
       <p:sp>
         <p:nvSpPr>
-          <p:cNvPr id="197" name="Shape 197"/>
+          <p:cNvPr id="192" name="Shape 192"/>
           <p:cNvSpPr/>
           <p:nvPr>
             <p:ph type="body" sz="quarter" idx="1"/>
@@ -1111,6 +1182,88 @@
         <p:txBody>
           <a:bodyPr/>
           <a:lstStyle/>
+          <a:p>
+            <a:pPr/>
+            <a:r>
+              <a:rPr u="sng">
+                <a:hlinkClick r:id="rId3" invalidUrl="" action="" tgtFrame="" tooltip="" history="1" highlightClick="0" endSnd="0"/>
+              </a:rPr>
+              <a:t>stats.bitshares.eu</a:t>
+            </a:r>
+            <a:r>
+              <a:t> used for measuring peak load during stress test where it was demonstrated in real conditions that bts can go up to 3000 tx/sec</a:t>
+            </a:r>
+          </a:p>
+        </p:txBody>
+      </p:sp>
+    </p:spTree>
+  </p:cSld>
+  <p:clrMapOvr>
+    <a:masterClrMapping/>
+  </p:clrMapOvr>
+</p:notes>
+</file>
+
+<file path=ppt/notesSlides/notesSlide9.xml><?xml version="1.0" encoding="utf-8"?>
+<p:notes xmlns:a="http://schemas.openxmlformats.org/drawingml/2006/main" xmlns:r="http://schemas.openxmlformats.org/officeDocument/2006/relationships" xmlns:p="http://schemas.openxmlformats.org/presentationml/2006/main" showMasterSp="1" showMasterPhAnim="1">
+  <p:cSld>
+    <p:spTree>
+      <p:nvGrpSpPr>
+        <p:cNvPr id="1" name=""/>
+        <p:cNvGrpSpPr/>
+        <p:nvPr/>
+      </p:nvGrpSpPr>
+      <p:grpSpPr>
+        <a:xfrm>
+          <a:off x="0" y="0"/>
+          <a:ext cx="0" cy="0"/>
+          <a:chOff x="0" y="0"/>
+          <a:chExt cx="0" cy="0"/>
+        </a:xfrm>
+      </p:grpSpPr>
+      <p:sp>
+        <p:nvSpPr>
+          <p:cNvPr id="198" name="Shape 198"/>
+          <p:cNvSpPr/>
+          <p:nvPr>
+            <p:ph type="sldImg"/>
+          </p:nvPr>
+        </p:nvSpPr>
+        <p:spPr>
+          <a:prstGeom prst="rect">
+            <a:avLst/>
+          </a:prstGeom>
+        </p:spPr>
+        <p:txBody>
+          <a:bodyPr/>
+          <a:lstStyle/>
+          <a:p>
+            <a:pPr/>
+          </a:p>
+        </p:txBody>
+      </p:sp>
+      <p:sp>
+        <p:nvSpPr>
+          <p:cNvPr id="199" name="Shape 199"/>
+          <p:cNvSpPr/>
+          <p:nvPr>
+            <p:ph type="body" sz="quarter" idx="1"/>
+          </p:nvPr>
+        </p:nvSpPr>
+        <p:spPr>
+          <a:prstGeom prst="rect">
+            <a:avLst/>
+          </a:prstGeom>
+        </p:spPr>
+        <p:txBody>
+          <a:bodyPr/>
+          <a:lstStyle/>
+          <a:p>
+            <a:pPr/>
+            <a:r>
+              <a:t>TODO Add examples of both: pybts script, and config.yaml for bts_tools</a:t>
+            </a:r>
+          </a:p>
           <a:p>
             <a:pPr/>
             <a:r>
@@ -4520,7 +4673,7 @@
       </p:grpSpPr>
       <p:sp>
         <p:nvSpPr>
-          <p:cNvPr id="181" name="Wallets - mobile wallets"/>
+          <p:cNvPr id="183" name="Wallets - mobile wallets"/>
           <p:cNvSpPr txBox="1"/>
           <p:nvPr>
             <p:ph type="title"/>
@@ -4544,7 +4697,7 @@
       </p:sp>
       <p:sp>
         <p:nvSpPr>
-          <p:cNvPr id="182" name="Smartcoins wallet  (@kencode)…"/>
+          <p:cNvPr id="184" name="Smartcoins wallet  (@kencode)…"/>
           <p:cNvSpPr txBox="1"/>
           <p:nvPr>
             <p:ph type="body" idx="1"/>
@@ -4690,7 +4843,7 @@
       </p:grpSpPr>
       <p:sp>
         <p:nvSpPr>
-          <p:cNvPr id="184" name="Block explorers"/>
+          <p:cNvPr id="186" name="Block explorers"/>
           <p:cNvSpPr txBox="1"/>
           <p:nvPr>
             <p:ph type="title"/>
@@ -4714,7 +4867,7 @@
       </p:sp>
       <p:sp>
         <p:nvSpPr>
-          <p:cNvPr id="185" name="http://cryptofresh.com  (@roadscape)…"/>
+          <p:cNvPr id="187" name="http://cryptofresh.com  (@roadscape)…"/>
           <p:cNvSpPr txBox="1"/>
           <p:nvPr>
             <p:ph type="body" idx="1"/>
@@ -4818,7 +4971,7 @@
       </p:grpSpPr>
       <p:sp>
         <p:nvSpPr>
-          <p:cNvPr id="187" name="Network status"/>
+          <p:cNvPr id="189" name="Network status"/>
           <p:cNvSpPr txBox="1"/>
           <p:nvPr>
             <p:ph type="title"/>
@@ -4842,7 +4995,7 @@
       </p:sp>
       <p:sp>
         <p:nvSpPr>
-          <p:cNvPr id="188" name="http://stats.bitshares.eu  (@xeroc)…"/>
+          <p:cNvPr id="190" name="http://stats.bitshares.eu  (@xeroc)…"/>
           <p:cNvSpPr txBox="1"/>
           <p:nvPr>
             <p:ph type="body" idx="1"/>
@@ -4946,7 +5099,7 @@
       </p:grpSpPr>
       <p:sp>
         <p:nvSpPr>
-          <p:cNvPr id="192" name="Developing for the blockchain"/>
+          <p:cNvPr id="194" name="Developing for the blockchain"/>
           <p:cNvSpPr txBox="1"/>
           <p:nvPr>
             <p:ph type="title"/>
@@ -4996,7 +5149,7 @@
       </p:grpSpPr>
       <p:sp>
         <p:nvSpPr>
-          <p:cNvPr id="194" name="Backend development"/>
+          <p:cNvPr id="196" name="Backend development"/>
           <p:cNvSpPr txBox="1"/>
           <p:nvPr>
             <p:ph type="title"/>
@@ -5020,7 +5173,7 @@
       </p:sp>
       <p:sp>
         <p:nvSpPr>
-          <p:cNvPr id="195" name="PyBitShares (@xeroc)                      http://docs.pybitshares.com/…"/>
+          <p:cNvPr id="197" name="PyBitShares (@xeroc)                      http://docs.pybitshares.com/…"/>
           <p:cNvSpPr txBox="1"/>
           <p:nvPr>
             <p:ph type="body" idx="1"/>
@@ -5222,7 +5375,7 @@
       </p:grpSpPr>
       <p:sp>
         <p:nvSpPr>
-          <p:cNvPr id="199" name="Frontend development"/>
+          <p:cNvPr id="201" name="Frontend development"/>
           <p:cNvSpPr txBox="1"/>
           <p:nvPr>
             <p:ph type="title"/>
@@ -5246,7 +5399,7 @@
       </p:sp>
       <p:sp>
         <p:nvSpPr>
-          <p:cNvPr id="200" name="https://github.com/bitshares/bitshares-ui…"/>
+          <p:cNvPr id="202" name="https://github.com/bitshares/bitshares-ui…"/>
           <p:cNvSpPr txBox="1"/>
           <p:nvPr>
             <p:ph type="body" idx="1"/>
@@ -5347,7 +5500,7 @@
       </p:grpSpPr>
       <p:sp>
         <p:nvSpPr>
-          <p:cNvPr id="202" name="Feed scripts"/>
+          <p:cNvPr id="204" name="Feed scripts"/>
           <p:cNvSpPr txBox="1"/>
           <p:nvPr>
             <p:ph type="title"/>
@@ -5371,7 +5524,7 @@
       </p:sp>
       <p:sp>
         <p:nvSpPr>
-          <p:cNvPr id="203" name="https://github.com/xeroc/bitshares-pricefeed  (@xeroc)…"/>
+          <p:cNvPr id="205" name="https://github.com/xeroc/bitshares-pricefeed  (@xeroc)…"/>
           <p:cNvSpPr txBox="1"/>
           <p:nvPr>
             <p:ph type="body" idx="1"/>
@@ -5463,7 +5616,7 @@
       </p:grpSpPr>
       <p:sp>
         <p:nvSpPr>
-          <p:cNvPr id="205" name="Trading bots"/>
+          <p:cNvPr id="207" name="Trading bots"/>
           <p:cNvSpPr txBox="1"/>
           <p:nvPr>
             <p:ph type="title"/>
@@ -5487,7 +5640,7 @@
       </p:sp>
       <p:sp>
         <p:nvSpPr>
-          <p:cNvPr id="206" name="https://github.com/xeroc/stakemachine  (@xeroc)…"/>
+          <p:cNvPr id="208" name="https://github.com/xeroc/stakemachine  (@xeroc)…"/>
           <p:cNvSpPr txBox="1"/>
           <p:nvPr>
             <p:ph type="body" idx="1"/>
@@ -5501,9 +5654,6 @@
         <p:txBody>
           <a:bodyPr/>
           <a:lstStyle/>
-          <a:p>
-            <a:pPr/>
-          </a:p>
           <a:p>
             <a:pPr/>
             <a:r>
@@ -5518,9 +5668,6 @@
           </a:p>
           <a:p>
             <a:pPr/>
-          </a:p>
-          <a:p>
-            <a:pPr/>
             <a:r>
               <a:rPr u="sng">
                 <a:hlinkClick r:id="rId3" invalidUrl="" action="" tgtFrame="" tooltip="" history="1" highlightClick="0" endSnd="0"/>
@@ -5533,9 +5680,6 @@
           </a:p>
           <a:p>
             <a:pPr/>
-          </a:p>
-          <a:p>
-            <a:pPr/>
             <a:r>
               <a:rPr u="sng">
                 <a:hlinkClick r:id="rId4" invalidUrl="" action="" tgtFrame="" tooltip="" history="1" highlightClick="0" endSnd="0"/>
@@ -5545,9 +5689,6 @@
             <a:r>
               <a:t>  (@bitcrab)</a:t>
             </a:r>
-          </a:p>
-          <a:p>
-            <a:pPr/>
           </a:p>
           <a:p>
             <a:pPr/>
@@ -5591,7 +5732,7 @@
       </p:grpSpPr>
       <p:sp>
         <p:nvSpPr>
-          <p:cNvPr id="208" name="Getting paid by the blockchain!"/>
+          <p:cNvPr id="210" name="Getting paid by the blockchain!"/>
           <p:cNvSpPr txBox="1"/>
           <p:nvPr>
             <p:ph type="title"/>
@@ -5641,7 +5782,7 @@
       </p:grpSpPr>
       <p:sp>
         <p:nvSpPr>
-          <p:cNvPr id="210" name="The prize!"/>
+          <p:cNvPr id="212" name="The prize!"/>
           <p:cNvSpPr txBox="1"/>
           <p:nvPr>
             <p:ph type="title"/>
@@ -5665,7 +5806,7 @@
       </p:sp>
       <p:sp>
         <p:nvSpPr>
-          <p:cNvPr id="211" name="Best project gets a prize of 1111 BitUSD…"/>
+          <p:cNvPr id="213" name="Best project gets a prize of 1111 BitUSD…"/>
           <p:cNvSpPr txBox="1"/>
           <p:nvPr>
             <p:ph type="body" idx="1"/>
@@ -5858,7 +5999,81 @@
       </p:grpSpPr>
       <p:sp>
         <p:nvSpPr>
-          <p:cNvPr id="213" name="Thanks, and…"/>
+          <p:cNvPr id="215" name="–Johnny Appleseed"/>
+          <p:cNvSpPr txBox="1"/>
+          <p:nvPr>
+            <p:ph type="body" idx="13"/>
+          </p:nvPr>
+        </p:nvSpPr>
+        <p:spPr>
+          <a:prstGeom prst="rect">
+            <a:avLst/>
+          </a:prstGeom>
+        </p:spPr>
+        <p:txBody>
+          <a:bodyPr/>
+          <a:lstStyle/>
+          <a:p>
+            <a:pPr/>
+            <a:r>
+              <a:t>–Johnny Appleseed</a:t>
+            </a:r>
+          </a:p>
+        </p:txBody>
+      </p:sp>
+      <p:sp>
+        <p:nvSpPr>
+          <p:cNvPr id="216" name="“Type a quote here.”"/>
+          <p:cNvSpPr txBox="1"/>
+          <p:nvPr>
+            <p:ph type="body" idx="14"/>
+          </p:nvPr>
+        </p:nvSpPr>
+        <p:spPr>
+          <a:prstGeom prst="rect">
+            <a:avLst/>
+          </a:prstGeom>
+        </p:spPr>
+        <p:txBody>
+          <a:bodyPr/>
+          <a:lstStyle/>
+          <a:p>
+            <a:pPr/>
+            <a:r>
+              <a:t>“Type a quote here.”</a:t>
+            </a:r>
+          </a:p>
+        </p:txBody>
+      </p:sp>
+    </p:spTree>
+  </p:cSld>
+  <p:clrMapOvr>
+    <a:masterClrMapping/>
+  </p:clrMapOvr>
+  <p:transition xmlns:p14="http://schemas.microsoft.com/office/powerpoint/2010/main" spd="med" advClick="1"/>
+</p:sld>
+</file>
+
+<file path=ppt/slides/slide21.xml><?xml version="1.0" encoding="utf-8"?>
+<p:sld xmlns:a="http://schemas.openxmlformats.org/drawingml/2006/main" xmlns:r="http://schemas.openxmlformats.org/officeDocument/2006/relationships" xmlns:p="http://schemas.openxmlformats.org/presentationml/2006/main" showMasterSp="1" showMasterPhAnim="1">
+  <p:cSld>
+    <p:spTree>
+      <p:nvGrpSpPr>
+        <p:cNvPr id="1" name=""/>
+        <p:cNvGrpSpPr/>
+        <p:nvPr/>
+      </p:nvGrpSpPr>
+      <p:grpSpPr>
+        <a:xfrm>
+          <a:off x="0" y="0"/>
+          <a:ext cx="0" cy="0"/>
+          <a:chOff x="0" y="0"/>
+          <a:chExt cx="0" cy="0"/>
+        </a:xfrm>
+      </p:grpSpPr>
+      <p:sp>
+        <p:nvSpPr>
+          <p:cNvPr id="220" name="Thanks, and…"/>
           <p:cNvSpPr txBox="1"/>
           <p:nvPr>
             <p:ph type="title"/>
@@ -5892,7 +6107,7 @@
       </p:sp>
       <p:sp>
         <p:nvSpPr>
-          <p:cNvPr id="214" name="Slides available at:…"/>
+          <p:cNvPr id="221" name="Slides available at:…"/>
           <p:cNvSpPr txBox="1"/>
           <p:nvPr/>
         </p:nvSpPr>
@@ -5932,7 +6147,7 @@
               <a:rPr u="sng">
                 <a:hlinkClick r:id="rId2" invalidUrl="" action="" tgtFrame="" tooltip="" history="1" highlightClick="0" endSnd="0"/>
               </a:rPr>
-              <a:t>https://github.com/wackou/slides/steemfest2_hackathon.pdf</a:t>
+              <a:t>https://github.com/wackou/slides/blob/master/steemfest2_hackathon.pdf</a:t>
             </a:r>
           </a:p>
         </p:txBody>
@@ -6068,16 +6283,7 @@
           <a:p>
             <a:pPr/>
             <a:r>
-              <a:t>BitShares 2.0: </a:t>
-            </a:r>
-            <a:r>
-              <a:rPr u="sng">
-                <a:hlinkClick r:id="rId3" invalidUrl="" action="" tgtFrame="" tooltip="" history="1" highlightClick="0" endSnd="0"/>
-              </a:rPr>
-              <a:t>lessons learnt</a:t>
-            </a:r>
-            <a:r>
-              <a:t>, full rewrite of the base framework which implements an efficient blockchain toolkit that anyone can use: Graphene is born</a:t>
+              <a:t>BitShares 2.0: lessons learnt, full rewrite of the base framework which implements an efficient blockchain toolkit that anyone can use: Graphene is born</a:t>
             </a:r>
           </a:p>
         </p:txBody>
@@ -6136,7 +6342,7 @@
               </a:pPr>
               <a:r>
                 <a:rPr u="sng">
-                  <a:hlinkClick r:id="rId4" invalidUrl="" action="" tgtFrame="" tooltip="" history="1" highlightClick="0" endSnd="0"/>
+                  <a:hlinkClick r:id="rId3" invalidUrl="" action="" tgtFrame="" tooltip="" history="1" highlightClick="0" endSnd="0"/>
                 </a:rPr>
                 <a:t>https://github.com/bitshares/bitshares-core</a:t>
               </a:r>
@@ -6151,7 +6357,7 @@
               </a:pPr>
               <a:r>
                 <a:rPr u="sng">
-                  <a:hlinkClick r:id="rId5" invalidUrl="" action="" tgtFrame="" tooltip="" history="1" highlightClick="0" endSnd="0"/>
+                  <a:hlinkClick r:id="rId4" invalidUrl="" action="" tgtFrame="" tooltip="" history="1" highlightClick="0" endSnd="0"/>
                 </a:rPr>
                 <a:t>https://github.com/bitshares/bitshares-ui</a:t>
               </a:r>
@@ -6167,7 +6373,7 @@
             <p:nvPr/>
           </p:nvPicPr>
           <p:blipFill>
-            <a:blip r:embed="rId6">
+            <a:blip r:embed="rId5">
               <a:extLst/>
             </a:blip>
             <a:stretch>
@@ -7009,7 +7215,7 @@
             <a:pPr/>
             <a:r>
               <a:rPr u="sng">
-                <a:hlinkClick r:id="rId2" invalidUrl="" action="" tgtFrame="" tooltip="" history="1" highlightClick="0" endSnd="0"/>
+                <a:hlinkClick r:id="rId3" invalidUrl="" action="" tgtFrame="" tooltip="" history="1" highlightClick="0" endSnd="0"/>
               </a:rPr>
               <a:t>https://bitshares.org/download/</a:t>
             </a:r>
@@ -7021,7 +7227,7 @@
             <a:pPr/>
             <a:r>
               <a:rPr u="sng">
-                <a:hlinkClick r:id="rId3" invalidUrl="" action="" tgtFrame="" tooltip="" history="1" highlightClick="0" endSnd="0"/>
+                <a:hlinkClick r:id="rId4" invalidUrl="" action="" tgtFrame="" tooltip="" history="1" highlightClick="0" endSnd="0"/>
               </a:rPr>
               <a:t>https://github.com/bitshares/bitshares-ui/releases</a:t>
             </a:r>
@@ -7033,7 +7239,7 @@
             <a:pPr/>
             <a:r>
               <a:rPr u="sng">
-                <a:hlinkClick r:id="rId4" invalidUrl="" action="" tgtFrame="" tooltip="" history="1" highlightClick="0" endSnd="0"/>
+                <a:hlinkClick r:id="rId5" invalidUrl="" action="" tgtFrame="" tooltip="" history="1" highlightClick="0" endSnd="0"/>
               </a:rPr>
               <a:t>https://github.com/blckchnd/rudex-ui/releases</a:t>
             </a:r>

--- a/steemfest2_hackathon.pptx
+++ b/steemfest2_hackathon.pptx
@@ -28,7 +28,6 @@
     <p:sldId id="273" r:id="rId25"/>
     <p:sldId id="274" r:id="rId26"/>
     <p:sldId id="275" r:id="rId27"/>
-    <p:sldId id="276" r:id="rId28"/>
   </p:sldIdLst>
   <p:sldSz cx="13004800" cy="9753600"/>
   <p:notesSz cx="6858000" cy="9144000"/>
@@ -569,76 +568,6 @@
             <a:pPr/>
             <a:r>
               <a:t>I’ve been a witness in BitShares since the launch of the project, develop some tools myself, and will give a short introduction to bitshares development, as well as give a handful of links and pointers to get you started</a:t>
-            </a:r>
-          </a:p>
-        </p:txBody>
-      </p:sp>
-    </p:spTree>
-  </p:cSld>
-  <p:clrMapOvr>
-    <a:masterClrMapping/>
-  </p:clrMapOvr>
-</p:notes>
-</file>
-
-<file path=ppt/notesSlides/notesSlide10.xml><?xml version="1.0" encoding="utf-8"?>
-<p:notes xmlns:a="http://schemas.openxmlformats.org/drawingml/2006/main" xmlns:r="http://schemas.openxmlformats.org/officeDocument/2006/relationships" xmlns:p="http://schemas.openxmlformats.org/presentationml/2006/main" showMasterSp="1" showMasterPhAnim="1">
-  <p:cSld>
-    <p:spTree>
-      <p:nvGrpSpPr>
-        <p:cNvPr id="1" name=""/>
-        <p:cNvGrpSpPr/>
-        <p:nvPr/>
-      </p:nvGrpSpPr>
-      <p:grpSpPr>
-        <a:xfrm>
-          <a:off x="0" y="0"/>
-          <a:ext cx="0" cy="0"/>
-          <a:chOff x="0" y="0"/>
-          <a:chExt cx="0" cy="0"/>
-        </a:xfrm>
-      </p:grpSpPr>
-      <p:sp>
-        <p:nvSpPr>
-          <p:cNvPr id="217" name="Shape 217"/>
-          <p:cNvSpPr/>
-          <p:nvPr>
-            <p:ph type="sldImg"/>
-          </p:nvPr>
-        </p:nvSpPr>
-        <p:spPr>
-          <a:prstGeom prst="rect">
-            <a:avLst/>
-          </a:prstGeom>
-        </p:spPr>
-        <p:txBody>
-          <a:bodyPr/>
-          <a:lstStyle/>
-          <a:p>
-            <a:pPr/>
-          </a:p>
-        </p:txBody>
-      </p:sp>
-      <p:sp>
-        <p:nvSpPr>
-          <p:cNvPr id="218" name="Shape 218"/>
-          <p:cNvSpPr/>
-          <p:nvPr>
-            <p:ph type="body" sz="quarter" idx="1"/>
-          </p:nvPr>
-        </p:nvSpPr>
-        <p:spPr>
-          <a:prstGeom prst="rect">
-            <a:avLst/>
-          </a:prstGeom>
-        </p:spPr>
-        <p:txBody>
-          <a:bodyPr/>
-          <a:lstStyle/>
-          <a:p>
-            <a:pPr/>
-            <a:r>
-              <a:t>Fundamental tenet of bts: freedom liberty and property for all</a:t>
             </a:r>
           </a:p>
         </p:txBody>
@@ -5999,81 +5928,7 @@
       </p:grpSpPr>
       <p:sp>
         <p:nvSpPr>
-          <p:cNvPr id="215" name="–Johnny Appleseed"/>
-          <p:cNvSpPr txBox="1"/>
-          <p:nvPr>
-            <p:ph type="body" idx="13"/>
-          </p:nvPr>
-        </p:nvSpPr>
-        <p:spPr>
-          <a:prstGeom prst="rect">
-            <a:avLst/>
-          </a:prstGeom>
-        </p:spPr>
-        <p:txBody>
-          <a:bodyPr/>
-          <a:lstStyle/>
-          <a:p>
-            <a:pPr/>
-            <a:r>
-              <a:t>–Johnny Appleseed</a:t>
-            </a:r>
-          </a:p>
-        </p:txBody>
-      </p:sp>
-      <p:sp>
-        <p:nvSpPr>
-          <p:cNvPr id="216" name="“Type a quote here.”"/>
-          <p:cNvSpPr txBox="1"/>
-          <p:nvPr>
-            <p:ph type="body" idx="14"/>
-          </p:nvPr>
-        </p:nvSpPr>
-        <p:spPr>
-          <a:prstGeom prst="rect">
-            <a:avLst/>
-          </a:prstGeom>
-        </p:spPr>
-        <p:txBody>
-          <a:bodyPr/>
-          <a:lstStyle/>
-          <a:p>
-            <a:pPr/>
-            <a:r>
-              <a:t>“Type a quote here.”</a:t>
-            </a:r>
-          </a:p>
-        </p:txBody>
-      </p:sp>
-    </p:spTree>
-  </p:cSld>
-  <p:clrMapOvr>
-    <a:masterClrMapping/>
-  </p:clrMapOvr>
-  <p:transition xmlns:p14="http://schemas.microsoft.com/office/powerpoint/2010/main" spd="med" advClick="1"/>
-</p:sld>
-</file>
-
-<file path=ppt/slides/slide21.xml><?xml version="1.0" encoding="utf-8"?>
-<p:sld xmlns:a="http://schemas.openxmlformats.org/drawingml/2006/main" xmlns:r="http://schemas.openxmlformats.org/officeDocument/2006/relationships" xmlns:p="http://schemas.openxmlformats.org/presentationml/2006/main" showMasterSp="1" showMasterPhAnim="1">
-  <p:cSld>
-    <p:spTree>
-      <p:nvGrpSpPr>
-        <p:cNvPr id="1" name=""/>
-        <p:cNvGrpSpPr/>
-        <p:nvPr/>
-      </p:nvGrpSpPr>
-      <p:grpSpPr>
-        <a:xfrm>
-          <a:off x="0" y="0"/>
-          <a:ext cx="0" cy="0"/>
-          <a:chOff x="0" y="0"/>
-          <a:chExt cx="0" cy="0"/>
-        </a:xfrm>
-      </p:grpSpPr>
-      <p:sp>
-        <p:nvSpPr>
-          <p:cNvPr id="220" name="Thanks, and…"/>
+          <p:cNvPr id="215" name="Thanks, and…"/>
           <p:cNvSpPr txBox="1"/>
           <p:nvPr>
             <p:ph type="title"/>
@@ -6107,7 +5962,7 @@
       </p:sp>
       <p:sp>
         <p:nvSpPr>
-          <p:cNvPr id="221" name="Slides available at:…"/>
+          <p:cNvPr id="216" name="Slides available at:…"/>
           <p:cNvSpPr txBox="1"/>
           <p:nvPr/>
         </p:nvSpPr>
